--- a/module3/3-slides.pptx
+++ b/module3/3-slides.pptx
@@ -3104,14 +3104,6 @@
               <a:tabLst/>
               <a:defRPr/>
             </a:pPr>
-            <a:r>
-              <a:rPr lang="en-US" dirty="0"/>
-              <a:t>More demos here -http://datahub2.cs.umass.edu/user/purity%20mugambi/notebooks/190fwebsite/notebooks/</a:t>
-            </a:r>
-            <a:r>
-              <a:rPr lang="en-US" dirty="0" err="1"/>
-              <a:t>Overlaid_Graphs.ipynb</a:t>
-            </a:r>
             <a:endParaRPr dirty="0"/>
           </a:p>
         </p:txBody>
@@ -4536,7 +4528,7 @@
           <a:p>
             <a:fld id="{1160EA64-D806-43AC-9DF2-F8C432F32B4C}" type="datetimeFigureOut">
               <a:rPr lang="en-US" smtClean="0"/>
-              <a:t>9/22/22</a:t>
+              <a:t>2/22/2023</a:t>
             </a:fld>
             <a:endParaRPr lang="en-US" dirty="0"/>
           </a:p>
@@ -4715,7 +4707,7 @@
           <a:p>
             <a:fld id="{E9F9C37B-1D36-470B-8223-D6C91242EC14}" type="datetimeFigureOut">
               <a:rPr lang="en-US" smtClean="0"/>
-              <a:t>9/22/22</a:t>
+              <a:t>2/22/2023</a:t>
             </a:fld>
             <a:endParaRPr lang="en-US" dirty="0"/>
           </a:p>
@@ -4896,7 +4888,7 @@
           <a:p>
             <a:fld id="{67C6F52A-A82B-47A2-A83A-8C4C91F2D59F}" type="datetimeFigureOut">
               <a:rPr lang="en-US" smtClean="0"/>
-              <a:t>9/22/22</a:t>
+              <a:t>2/22/2023</a:t>
             </a:fld>
             <a:endParaRPr lang="en-US" dirty="0"/>
           </a:p>
@@ -5585,6 +5577,10 @@
           </a:p>
           <a:p>
             <a:pPr lvl="1"/>
+            <a:r>
+              <a:rPr lang="en-US" dirty="0"/>
+              <a:t/>
+            </a:r>
             <a:br>
               <a:rPr lang="en-US" dirty="0"/>
             </a:br>
@@ -6564,7 +6560,7 @@
           <a:p>
             <a:fld id="{F070A7B3-6521-4DCA-87E5-044747A908C1}" type="datetimeFigureOut">
               <a:rPr lang="en-US" smtClean="0"/>
-              <a:t>9/22/22</a:t>
+              <a:t>2/22/2023</a:t>
             </a:fld>
             <a:endParaRPr lang="en-US" dirty="0"/>
           </a:p>
@@ -6887,7 +6883,7 @@
           <a:p>
             <a:fld id="{1160EA64-D806-43AC-9DF2-F8C432F32B4C}" type="datetimeFigureOut">
               <a:rPr lang="en-US" smtClean="0"/>
-              <a:t>9/22/22</a:t>
+              <a:t>2/22/2023</a:t>
             </a:fld>
             <a:endParaRPr lang="en-US" dirty="0"/>
           </a:p>
@@ -7349,7 +7345,7 @@
           <a:p>
             <a:fld id="{AB134690-1557-4C89-A502-4959FE7FAD70}" type="datetimeFigureOut">
               <a:rPr lang="en-US" smtClean="0"/>
-              <a:t>9/22/22</a:t>
+              <a:t>2/22/2023</a:t>
             </a:fld>
             <a:endParaRPr lang="en-US" dirty="0"/>
           </a:p>
@@ -7761,7 +7757,7 @@
           <a:p>
             <a:fld id="{1160EA64-D806-43AC-9DF2-F8C432F32B4C}" type="datetimeFigureOut">
               <a:rPr lang="en-US" smtClean="0"/>
-              <a:t>9/22/22</a:t>
+              <a:t>2/22/2023</a:t>
             </a:fld>
             <a:endParaRPr lang="en-US" dirty="0"/>
           </a:p>
@@ -7881,7 +7877,7 @@
           <a:p>
             <a:fld id="{E1037C31-9E7A-4F99-8774-A0E530DE1A42}" type="datetimeFigureOut">
               <a:rPr lang="en-US" smtClean="0"/>
-              <a:t>9/22/22</a:t>
+              <a:t>2/22/2023</a:t>
             </a:fld>
             <a:endParaRPr lang="en-US" dirty="0"/>
           </a:p>
@@ -7999,7 +7995,7 @@
           <a:p>
             <a:fld id="{C278504F-A551-4DE0-9316-4DCD1D8CC752}" type="datetimeFigureOut">
               <a:rPr lang="en-US" smtClean="0"/>
-              <a:t>9/22/22</a:t>
+              <a:t>2/22/2023</a:t>
             </a:fld>
             <a:endParaRPr lang="en-US" dirty="0"/>
           </a:p>
@@ -8358,7 +8354,7 @@
           <a:p>
             <a:fld id="{D1BE4249-C0D0-4B06-8692-E8BB871AF643}" type="datetimeFigureOut">
               <a:rPr lang="en-US" smtClean="0"/>
-              <a:t>9/22/22</a:t>
+              <a:t>2/22/2023</a:t>
             </a:fld>
             <a:endParaRPr lang="en-US" dirty="0"/>
           </a:p>
@@ -8866,7 +8862,7 @@
           <a:p>
             <a:fld id="{042B0DB6-F5C7-45FB-8CF3-31B45F9C2DAC}" type="datetimeFigureOut">
               <a:rPr lang="en-US" smtClean="0"/>
-              <a:t>9/22/22</a:t>
+              <a:t>2/22/2023</a:t>
             </a:fld>
             <a:endParaRPr lang="en-US" dirty="0"/>
           </a:p>
@@ -9222,7 +9218,7 @@
           <a:p>
             <a:fld id="{1160EA64-D806-43AC-9DF2-F8C432F32B4C}" type="datetimeFigureOut">
               <a:rPr lang="en-US" smtClean="0"/>
-              <a:t>9/22/22</a:t>
+              <a:t>2/22/2023</a:t>
             </a:fld>
             <a:endParaRPr lang="en-US" dirty="0"/>
           </a:p>
@@ -17009,14 +17005,14 @@
           <p:nvPr>
             <p:extLst>
               <p:ext uri="{D42A27DB-BD31-4B8C-83A1-F6EECF244321}">
-                <p14:modId xmlns:p14="http://schemas.microsoft.com/office/powerpoint/2010/main" val="3762985365"/>
+                <p14:modId xmlns:p14="http://schemas.microsoft.com/office/powerpoint/2010/main" val="2737204878"/>
               </p:ext>
             </p:extLst>
           </p:nvPr>
         </p:nvGraphicFramePr>
         <p:xfrm>
           <a:off x="6437250" y="26550"/>
-          <a:ext cx="2238200" cy="5240345"/>
+          <a:ext cx="2238200" cy="5116952"/>
         </p:xfrm>
         <a:graphic>
           <a:graphicData uri="http://schemas.openxmlformats.org/drawingml/2006/table">
@@ -17040,7 +17036,7 @@
                   </a:extLst>
                 </a:gridCol>
               </a:tblGrid>
-              <a:tr h="233825">
+              <a:tr h="410039">
                 <a:tc>
                   <a:txBody>
                     <a:bodyPr/>
@@ -17179,7 +17175,7 @@
                   </a:ext>
                 </a:extLst>
               </a:tr>
-              <a:tr h="233825">
+              <a:tr h="226301">
                 <a:tc>
                   <a:txBody>
                     <a:bodyPr/>
@@ -17318,7 +17314,7 @@
                   </a:ext>
                 </a:extLst>
               </a:tr>
-              <a:tr h="233825">
+              <a:tr h="226301">
                 <a:tc>
                   <a:txBody>
                     <a:bodyPr/>
@@ -17457,7 +17453,7 @@
                   </a:ext>
                 </a:extLst>
               </a:tr>
-              <a:tr h="233825">
+              <a:tr h="226301">
                 <a:tc>
                   <a:txBody>
                     <a:bodyPr/>
@@ -17596,7 +17592,7 @@
                   </a:ext>
                 </a:extLst>
               </a:tr>
-              <a:tr h="233825">
+              <a:tr h="226301">
                 <a:tc>
                   <a:txBody>
                     <a:bodyPr/>
@@ -17735,7 +17731,7 @@
                   </a:ext>
                 </a:extLst>
               </a:tr>
-              <a:tr h="233825">
+              <a:tr h="226301">
                 <a:tc>
                   <a:txBody>
                     <a:bodyPr/>
@@ -17874,7 +17870,7 @@
                   </a:ext>
                 </a:extLst>
               </a:tr>
-              <a:tr h="233825">
+              <a:tr h="226301">
                 <a:tc>
                   <a:txBody>
                     <a:bodyPr/>
@@ -18013,7 +18009,7 @@
                   </a:ext>
                 </a:extLst>
               </a:tr>
-              <a:tr h="233825">
+              <a:tr h="226301">
                 <a:tc>
                   <a:txBody>
                     <a:bodyPr/>
@@ -18152,7 +18148,7 @@
                   </a:ext>
                 </a:extLst>
               </a:tr>
-              <a:tr h="233825">
+              <a:tr h="226301">
                 <a:tc>
                   <a:txBody>
                     <a:bodyPr/>
@@ -18291,7 +18287,7 @@
                   </a:ext>
                 </a:extLst>
               </a:tr>
-              <a:tr h="233825">
+              <a:tr h="226301">
                 <a:tc>
                   <a:txBody>
                     <a:bodyPr/>
@@ -18430,7 +18426,7 @@
                   </a:ext>
                 </a:extLst>
               </a:tr>
-              <a:tr h="233825">
+              <a:tr h="410039">
                 <a:tc>
                   <a:txBody>
                     <a:bodyPr/>
@@ -18569,7 +18565,7 @@
                   </a:ext>
                 </a:extLst>
               </a:tr>
-              <a:tr h="233825">
+              <a:tr h="226301">
                 <a:tc>
                   <a:txBody>
                     <a:bodyPr/>
@@ -18708,7 +18704,7 @@
                   </a:ext>
                 </a:extLst>
               </a:tr>
-              <a:tr h="233825">
+              <a:tr h="226301">
                 <a:tc>
                   <a:txBody>
                     <a:bodyPr/>
@@ -18847,7 +18843,7 @@
                   </a:ext>
                 </a:extLst>
               </a:tr>
-              <a:tr h="233825">
+              <a:tr h="226301">
                 <a:tc>
                   <a:txBody>
                     <a:bodyPr/>
@@ -18986,7 +18982,7 @@
                   </a:ext>
                 </a:extLst>
               </a:tr>
-              <a:tr h="233825">
+              <a:tr h="226301">
                 <a:tc>
                   <a:txBody>
                     <a:bodyPr/>
@@ -19125,7 +19121,7 @@
                   </a:ext>
                 </a:extLst>
               </a:tr>
-              <a:tr h="233825">
+              <a:tr h="226301">
                 <a:tc>
                   <a:txBody>
                     <a:bodyPr/>
@@ -19264,7 +19260,7 @@
                   </a:ext>
                 </a:extLst>
               </a:tr>
-              <a:tr h="233825">
+              <a:tr h="226301">
                 <a:tc>
                   <a:txBody>
                     <a:bodyPr/>
@@ -19403,7 +19399,7 @@
                   </a:ext>
                 </a:extLst>
               </a:tr>
-              <a:tr h="233825">
+              <a:tr h="226301">
                 <a:tc>
                   <a:txBody>
                     <a:bodyPr/>
@@ -19542,7 +19538,7 @@
                   </a:ext>
                 </a:extLst>
               </a:tr>
-              <a:tr h="233825">
+              <a:tr h="226301">
                 <a:tc>
                   <a:txBody>
                     <a:bodyPr/>
@@ -19681,7 +19677,7 @@
                   </a:ext>
                 </a:extLst>
               </a:tr>
-              <a:tr h="233825">
+              <a:tr h="226301">
                 <a:tc>
                   <a:txBody>
                     <a:bodyPr/>
@@ -19766,10 +19762,10 @@
                         <a:buNone/>
                       </a:pPr>
                       <a:r>
-                        <a:rPr lang="en" sz="1100" b="1"/>
+                        <a:rPr lang="en" sz="1100" b="1" dirty="0"/>
                         <a:t>6</a:t>
                       </a:r>
-                      <a:endParaRPr sz="1100" b="1"/>
+                      <a:endParaRPr sz="1100" b="1" dirty="0"/>
                     </a:p>
                   </a:txBody>
                   <a:tcPr marL="28575" marR="28575" marT="19050" marB="19050" anchor="b">
@@ -19820,7 +19816,7 @@
                   </a:ext>
                 </a:extLst>
               </a:tr>
-              <a:tr h="100000">
+              <a:tr h="223456">
                 <a:tc>
                   <a:txBody>
                     <a:bodyPr/>
@@ -21001,7 +20997,7 @@
         </p:nvSpPr>
         <p:spPr>
           <a:xfrm>
-            <a:off x="498421" y="1221318"/>
+            <a:off x="498421" y="892234"/>
             <a:ext cx="5783100" cy="749400"/>
           </a:xfrm>
           <a:prstGeom prst="rect">
@@ -21043,73 +21039,30 @@
           </a:p>
         </p:txBody>
       </p:sp>
-      <p:sp>
-        <p:nvSpPr>
-          <p:cNvPr id="120" name="Google Shape;120;p25"/>
-          <p:cNvSpPr txBox="1"/>
+      <p:pic>
+        <p:nvPicPr>
+          <p:cNvPr id="2" name="Picture 1"/>
+          <p:cNvPicPr>
+            <a:picLocks noChangeAspect="1"/>
+          </p:cNvPicPr>
           <p:nvPr/>
-        </p:nvSpPr>
+        </p:nvPicPr>
+        <p:blipFill>
+          <a:blip r:embed="rId3"/>
+          <a:stretch>
+            <a:fillRect/>
+          </a:stretch>
+        </p:blipFill>
         <p:spPr>
           <a:xfrm>
-            <a:off x="3573191" y="3532297"/>
-            <a:ext cx="1362000" cy="675900"/>
+            <a:off x="1861770" y="1527551"/>
+            <a:ext cx="3902746" cy="3223710"/>
           </a:xfrm>
           <a:prstGeom prst="rect">
             <a:avLst/>
           </a:prstGeom>
-          <a:noFill/>
-          <a:ln>
-            <a:noFill/>
-          </a:ln>
         </p:spPr>
-        <p:txBody>
-          <a:bodyPr spcFirstLastPara="1" wrap="square" lIns="91425" tIns="91425" rIns="91425" bIns="91425" anchor="t" anchorCtr="0">
-            <a:noAutofit/>
-          </a:bodyPr>
-          <a:lstStyle/>
-          <a:p>
-            <a:pPr marL="0" lvl="0" indent="0" rtl="0">
-              <a:spcBef>
-                <a:spcPts val="0"/>
-              </a:spcBef>
-              <a:spcAft>
-                <a:spcPts val="0"/>
-              </a:spcAft>
-              <a:buNone/>
-            </a:pPr>
-            <a:r>
-              <a:rPr lang="en" sz="2400" dirty="0">
-                <a:solidFill>
-                  <a:srgbClr val="3B7EA1"/>
-                </a:solidFill>
-              </a:rPr>
-              <a:t>(</a:t>
-            </a:r>
-            <a:r>
-              <a:rPr lang="en" sz="2400" dirty="0">
-                <a:solidFill>
-                  <a:srgbClr val="3B7EA1"/>
-                </a:solidFill>
-                <a:hlinkClick r:id="rId3"/>
-              </a:rPr>
-              <a:t>Demo</a:t>
-            </a:r>
-            <a:r>
-              <a:rPr lang="en" sz="2400" dirty="0">
-                <a:solidFill>
-                  <a:srgbClr val="3B7EA1"/>
-                </a:solidFill>
-              </a:rPr>
-              <a:t>)</a:t>
-            </a:r>
-            <a:endParaRPr sz="2400" dirty="0">
-              <a:solidFill>
-                <a:srgbClr val="3B7EA1"/>
-              </a:solidFill>
-            </a:endParaRPr>
-          </a:p>
-        </p:txBody>
-      </p:sp>
+      </p:pic>
     </p:spTree>
     <p:extLst>
       <p:ext uri="{BB962C8B-B14F-4D97-AF65-F5344CB8AC3E}">
@@ -24331,6 +24284,14 @@
   <p:clrMapOvr>
     <a:masterClrMapping/>
   </p:clrMapOvr>
+  <mc:AlternateContent xmlns:mc="http://schemas.openxmlformats.org/markup-compatibility/2006">
+    <mc:Choice xmlns:p14="http://schemas.microsoft.com/office/powerpoint/2010/main" Requires="p14">
+      <p:transition spd="slow" p14:dur="2000"/>
+    </mc:Choice>
+    <mc:Fallback>
+      <p:transition spd="slow"/>
+    </mc:Fallback>
+  </mc:AlternateContent>
 </p:sld>
 </file>
 
